--- a/tutorial48/tutorial48.pptx
+++ b/tutorial48/tutorial48.pptx
@@ -4360,29 +4360,7 @@
                 <a:ea typeface="+mj-ea"/>
                 <a:cs typeface="+mj-cs"/>
               </a:rPr>
-              <a:t>Reda car </a:t>
-            </a:r>
-            <a:r>
-              <a:rPr lang="en-US" b="1" cap="all" spc="390" dirty="0" err="1">
-                <a:solidFill>
-                  <a:schemeClr val="accent3"/>
-                </a:solidFill>
-                <a:latin typeface="+mj-lt"/>
-                <a:ea typeface="+mj-ea"/>
-                <a:cs typeface="+mj-cs"/>
-              </a:rPr>
-              <a:t>licese</a:t>
-            </a:r>
-            <a:r>
-              <a:rPr lang="en-US" b="1" cap="all" spc="390" dirty="0">
-                <a:solidFill>
-                  <a:schemeClr val="accent3"/>
-                </a:solidFill>
-                <a:latin typeface="+mj-lt"/>
-                <a:ea typeface="+mj-ea"/>
-                <a:cs typeface="+mj-cs"/>
-              </a:rPr>
-              <a:t> plate using </a:t>
+              <a:t>Read car license plate using </a:t>
             </a:r>
             <a:r>
               <a:rPr lang="en-US" b="1" cap="all" spc="390" dirty="0" err="1">
